--- a/docs/UNECE-IPP-Private-ML.pptx
+++ b/docs/UNECE-IPP-Private-ML.pptx
@@ -5,7 +5,7 @@
     <p:sldMasterId id="2147483648" r:id="rId1"/>
   </p:sldMasterIdLst>
   <p:notesMasterIdLst>
-    <p:notesMasterId r:id="rId17"/>
+    <p:notesMasterId r:id="rId16"/>
   </p:notesMasterIdLst>
   <p:sldIdLst>
     <p:sldId id="256" r:id="rId2"/>
@@ -20,9 +20,8 @@
     <p:sldId id="263" r:id="rId11"/>
     <p:sldId id="272" r:id="rId12"/>
     <p:sldId id="269" r:id="rId13"/>
-    <p:sldId id="273" r:id="rId14"/>
-    <p:sldId id="264" r:id="rId15"/>
-    <p:sldId id="265" r:id="rId16"/>
+    <p:sldId id="264" r:id="rId14"/>
+    <p:sldId id="265" r:id="rId15"/>
   </p:sldIdLst>
   <p:sldSz cx="12192000" cy="6858000"/>
   <p:notesSz cx="6858000" cy="9144000"/>
@@ -211,7 +210,7 @@
           <a:p>
             <a:fld id="{2D14278F-4B51-4548-A9AC-455EF8423DC8}" type="datetimeFigureOut">
               <a:rPr lang="en-US" smtClean="0"/>
-              <a:t>10/25/2021</a:t>
+              <a:t>10/29/2021</a:t>
             </a:fld>
             <a:endParaRPr lang="en-US"/>
           </a:p>
@@ -522,9 +521,514 @@
           <a:bodyPr/>
           <a:lstStyle/>
           <a:p>
+            <a:pPr marL="171450" indent="-171450">
+              <a:buFontTx/>
+              <a:buChar char="-"/>
+            </a:pPr>
             <a:r>
               <a:rPr lang="en-US" dirty="0"/>
-              <a:t>The plain </a:t>
+              <a:t>In this scenario, the server never learns the model properties, e.g. the layers, activations, …</a:t>
+            </a:r>
+          </a:p>
+          <a:p>
+            <a:pPr marL="171450" indent="-171450">
+              <a:buFontTx/>
+              <a:buChar char="-"/>
+            </a:pPr>
+            <a:r>
+              <a:rPr lang="en-US" dirty="0"/>
+              <a:t>Server decides the aggregation strategy, i.e. </a:t>
+            </a:r>
+            <a:r>
+              <a:rPr lang="en-US" dirty="0" err="1"/>
+              <a:t>FedAvg</a:t>
+            </a:r>
+            <a:endParaRPr lang="en-US" dirty="0"/>
+          </a:p>
+          <a:p>
+            <a:pPr marL="171450" indent="-171450">
+              <a:buFontTx/>
+              <a:buChar char="-"/>
+            </a:pPr>
+            <a:r>
+              <a:rPr lang="en-US" dirty="0"/>
+              <a:t>Every client starts with the same set of initial weights. First client that connects sets the initial weights.</a:t>
+            </a:r>
+          </a:p>
+          <a:p>
+            <a:pPr marL="171450" indent="-171450">
+              <a:buFontTx/>
+              <a:buChar char="-"/>
+            </a:pPr>
+            <a:r>
+              <a:rPr lang="en-US" dirty="0"/>
+              <a:t>Every client shares the model code base.</a:t>
+            </a:r>
+          </a:p>
+          <a:p>
+            <a:pPr marL="171450" indent="-171450">
+              <a:buFontTx/>
+              <a:buChar char="-"/>
+            </a:pPr>
+            <a:r>
+              <a:rPr lang="en-US" dirty="0"/>
+              <a:t>This is more appropriate for propriety models.</a:t>
+            </a:r>
+          </a:p>
+          <a:p>
+            <a:pPr marL="171450" indent="-171450">
+              <a:buFontTx/>
+              <a:buChar char="-"/>
+            </a:pPr>
+            <a:r>
+              <a:rPr lang="en-US" dirty="0"/>
+              <a:t>The process is repeated for a certain number of rounds until desired accuracy is reached.</a:t>
+            </a:r>
+            <a:endParaRPr lang="en-CA" dirty="0"/>
+          </a:p>
+        </p:txBody>
+      </p:sp>
+      <p:sp>
+        <p:nvSpPr>
+          <p:cNvPr id="4" name="Slide Number Placeholder 3"/>
+          <p:cNvSpPr>
+            <a:spLocks noGrp="1"/>
+          </p:cNvSpPr>
+          <p:nvPr>
+            <p:ph type="sldNum" sz="quarter" idx="5"/>
+          </p:nvPr>
+        </p:nvSpPr>
+        <p:spPr/>
+        <p:txBody>
+          <a:bodyPr/>
+          <a:lstStyle/>
+          <a:p>
+            <a:fld id="{BC6B0F1A-B7FA-40F8-9021-66F1DF0E942C}" type="slidenum">
+              <a:rPr lang="en-US" smtClean="0"/>
+              <a:t>5</a:t>
+            </a:fld>
+            <a:endParaRPr lang="en-US"/>
+          </a:p>
+        </p:txBody>
+      </p:sp>
+    </p:spTree>
+    <p:extLst>
+      <p:ext uri="{BB962C8B-B14F-4D97-AF65-F5344CB8AC3E}">
+        <p14:creationId xmlns:p14="http://schemas.microsoft.com/office/powerpoint/2010/main" val="4239001117"/>
+      </p:ext>
+    </p:extLst>
+  </p:cSld>
+  <p:clrMapOvr>
+    <a:masterClrMapping/>
+  </p:clrMapOvr>
+</p:notes>
+</file>
+
+<file path=ppt/notesSlides/notesSlide2.xml><?xml version="1.0" encoding="utf-8"?>
+<p:notes xmlns:a="http://schemas.openxmlformats.org/drawingml/2006/main" xmlns:r="http://schemas.openxmlformats.org/officeDocument/2006/relationships" xmlns:p="http://schemas.openxmlformats.org/presentationml/2006/main">
+  <p:cSld>
+    <p:spTree>
+      <p:nvGrpSpPr>
+        <p:cNvPr id="1" name=""/>
+        <p:cNvGrpSpPr/>
+        <p:nvPr/>
+      </p:nvGrpSpPr>
+      <p:grpSpPr>
+        <a:xfrm>
+          <a:off x="0" y="0"/>
+          <a:ext cx="0" cy="0"/>
+          <a:chOff x="0" y="0"/>
+          <a:chExt cx="0" cy="0"/>
+        </a:xfrm>
+      </p:grpSpPr>
+      <p:sp>
+        <p:nvSpPr>
+          <p:cNvPr id="2" name="Slide Image Placeholder 1"/>
+          <p:cNvSpPr>
+            <a:spLocks noGrp="1" noRot="1" noChangeAspect="1"/>
+          </p:cNvSpPr>
+          <p:nvPr>
+            <p:ph type="sldImg"/>
+          </p:nvPr>
+        </p:nvSpPr>
+        <p:spPr/>
+      </p:sp>
+      <p:sp>
+        <p:nvSpPr>
+          <p:cNvPr id="3" name="Notes Placeholder 2"/>
+          <p:cNvSpPr>
+            <a:spLocks noGrp="1"/>
+          </p:cNvSpPr>
+          <p:nvPr>
+            <p:ph type="body" idx="1"/>
+          </p:nvPr>
+        </p:nvSpPr>
+        <p:spPr/>
+        <p:txBody>
+          <a:bodyPr/>
+          <a:lstStyle/>
+          <a:p>
+            <a:pPr marL="171450" indent="-171450">
+              <a:buFontTx/>
+              <a:buChar char="-"/>
+            </a:pPr>
+            <a:r>
+              <a:rPr lang="en-US" dirty="0"/>
+              <a:t>Server sets the aggregation strategy, configuration, …, including the initial weights and the model (# and type of layers and activations) </a:t>
+            </a:r>
+          </a:p>
+          <a:p>
+            <a:pPr marL="171450" indent="-171450">
+              <a:buFontTx/>
+              <a:buChar char="-"/>
+            </a:pPr>
+            <a:r>
+              <a:rPr lang="en-US" dirty="0"/>
+              <a:t>Clients only connect and join the training process. Clients process the model recipe from server. </a:t>
+            </a:r>
+          </a:p>
+          <a:p>
+            <a:pPr marL="171450" indent="-171450">
+              <a:buFontTx/>
+              <a:buChar char="-"/>
+            </a:pPr>
+            <a:endParaRPr lang="en-CA" dirty="0"/>
+          </a:p>
+        </p:txBody>
+      </p:sp>
+      <p:sp>
+        <p:nvSpPr>
+          <p:cNvPr id="4" name="Slide Number Placeholder 3"/>
+          <p:cNvSpPr>
+            <a:spLocks noGrp="1"/>
+          </p:cNvSpPr>
+          <p:nvPr>
+            <p:ph type="sldNum" sz="quarter" idx="5"/>
+          </p:nvPr>
+        </p:nvSpPr>
+        <p:spPr/>
+        <p:txBody>
+          <a:bodyPr/>
+          <a:lstStyle/>
+          <a:p>
+            <a:fld id="{BC6B0F1A-B7FA-40F8-9021-66F1DF0E942C}" type="slidenum">
+              <a:rPr lang="en-US" smtClean="0"/>
+              <a:t>6</a:t>
+            </a:fld>
+            <a:endParaRPr lang="en-US"/>
+          </a:p>
+        </p:txBody>
+      </p:sp>
+    </p:spTree>
+    <p:extLst>
+      <p:ext uri="{BB962C8B-B14F-4D97-AF65-F5344CB8AC3E}">
+        <p14:creationId xmlns:p14="http://schemas.microsoft.com/office/powerpoint/2010/main" val="1867220358"/>
+      </p:ext>
+    </p:extLst>
+  </p:cSld>
+  <p:clrMapOvr>
+    <a:masterClrMapping/>
+  </p:clrMapOvr>
+</p:notes>
+</file>
+
+<file path=ppt/notesSlides/notesSlide3.xml><?xml version="1.0" encoding="utf-8"?>
+<p:notes xmlns:a="http://schemas.openxmlformats.org/drawingml/2006/main" xmlns:r="http://schemas.openxmlformats.org/officeDocument/2006/relationships" xmlns:p="http://schemas.openxmlformats.org/presentationml/2006/main">
+  <p:cSld>
+    <p:spTree>
+      <p:nvGrpSpPr>
+        <p:cNvPr id="1" name=""/>
+        <p:cNvGrpSpPr/>
+        <p:nvPr/>
+      </p:nvGrpSpPr>
+      <p:grpSpPr>
+        <a:xfrm>
+          <a:off x="0" y="0"/>
+          <a:ext cx="0" cy="0"/>
+          <a:chOff x="0" y="0"/>
+          <a:chExt cx="0" cy="0"/>
+        </a:xfrm>
+      </p:grpSpPr>
+      <p:sp>
+        <p:nvSpPr>
+          <p:cNvPr id="2" name="Slide Image Placeholder 1"/>
+          <p:cNvSpPr>
+            <a:spLocks noGrp="1" noRot="1" noChangeAspect="1"/>
+          </p:cNvSpPr>
+          <p:nvPr>
+            <p:ph type="sldImg"/>
+          </p:nvPr>
+        </p:nvSpPr>
+        <p:spPr/>
+      </p:sp>
+      <p:sp>
+        <p:nvSpPr>
+          <p:cNvPr id="3" name="Notes Placeholder 2"/>
+          <p:cNvSpPr>
+            <a:spLocks noGrp="1"/>
+          </p:cNvSpPr>
+          <p:nvPr>
+            <p:ph type="body" idx="1"/>
+          </p:nvPr>
+        </p:nvSpPr>
+        <p:spPr/>
+        <p:txBody>
+          <a:bodyPr/>
+          <a:lstStyle/>
+          <a:p>
+            <a:pPr marL="171450" indent="-171450">
+              <a:buFontTx/>
+              <a:buChar char="-"/>
+            </a:pPr>
+            <a:r>
+              <a:rPr lang="en-US" dirty="0"/>
+              <a:t>Similar to the first scenario, but the aggregation is done on the encrypted weights.</a:t>
+            </a:r>
+          </a:p>
+          <a:p>
+            <a:pPr marL="171450" indent="-171450">
+              <a:buFontTx/>
+              <a:buChar char="-"/>
+            </a:pPr>
+            <a:r>
+              <a:rPr lang="en-US" dirty="0"/>
+              <a:t>Clients have similar HE key pairs.</a:t>
+            </a:r>
+          </a:p>
+          <a:p>
+            <a:pPr marL="171450" indent="-171450">
+              <a:buFontTx/>
+              <a:buChar char="-"/>
+            </a:pPr>
+            <a:r>
+              <a:rPr lang="en-US" dirty="0"/>
+              <a:t>The last layer and activations are encrypted. </a:t>
+            </a:r>
+          </a:p>
+          <a:p>
+            <a:pPr marL="171450" indent="-171450">
+              <a:buFontTx/>
+              <a:buChar char="-"/>
+            </a:pPr>
+            <a:r>
+              <a:rPr lang="en-US" dirty="0"/>
+              <a:t>CA sends back the updated model (not shown in the figure) for each training round.</a:t>
+            </a:r>
+          </a:p>
+          <a:p>
+            <a:pPr marL="171450" indent="-171450">
+              <a:buFontTx/>
+              <a:buChar char="-"/>
+            </a:pPr>
+            <a:r>
+              <a:rPr lang="en-US" dirty="0"/>
+              <a:t>Local training is done on the clear / one decryption/encryption step by round</a:t>
+            </a:r>
+          </a:p>
+          <a:p>
+            <a:pPr marL="171450" indent="-171450">
+              <a:buFontTx/>
+              <a:buChar char="-"/>
+            </a:pPr>
+            <a:r>
+              <a:rPr lang="en-US" dirty="0"/>
+              <a:t>At the end of training rounds clients get the final updated model.</a:t>
+            </a:r>
+          </a:p>
+          <a:p>
+            <a:pPr marL="171450" indent="-171450">
+              <a:buFontTx/>
+              <a:buChar char="-"/>
+            </a:pPr>
+            <a:endParaRPr lang="en-CA" dirty="0"/>
+          </a:p>
+        </p:txBody>
+      </p:sp>
+      <p:sp>
+        <p:nvSpPr>
+          <p:cNvPr id="4" name="Slide Number Placeholder 3"/>
+          <p:cNvSpPr>
+            <a:spLocks noGrp="1"/>
+          </p:cNvSpPr>
+          <p:nvPr>
+            <p:ph type="sldNum" sz="quarter" idx="5"/>
+          </p:nvPr>
+        </p:nvSpPr>
+        <p:spPr/>
+        <p:txBody>
+          <a:bodyPr/>
+          <a:lstStyle/>
+          <a:p>
+            <a:fld id="{BC6B0F1A-B7FA-40F8-9021-66F1DF0E942C}" type="slidenum">
+              <a:rPr lang="en-US" smtClean="0"/>
+              <a:t>7</a:t>
+            </a:fld>
+            <a:endParaRPr lang="en-US"/>
+          </a:p>
+        </p:txBody>
+      </p:sp>
+    </p:spTree>
+    <p:extLst>
+      <p:ext uri="{BB962C8B-B14F-4D97-AF65-F5344CB8AC3E}">
+        <p14:creationId xmlns:p14="http://schemas.microsoft.com/office/powerpoint/2010/main" val="331171805"/>
+      </p:ext>
+    </p:extLst>
+  </p:cSld>
+  <p:clrMapOvr>
+    <a:masterClrMapping/>
+  </p:clrMapOvr>
+</p:notes>
+</file>
+
+<file path=ppt/notesSlides/notesSlide4.xml><?xml version="1.0" encoding="utf-8"?>
+<p:notes xmlns:a="http://schemas.openxmlformats.org/drawingml/2006/main" xmlns:r="http://schemas.openxmlformats.org/officeDocument/2006/relationships" xmlns:p="http://schemas.openxmlformats.org/presentationml/2006/main">
+  <p:cSld>
+    <p:spTree>
+      <p:nvGrpSpPr>
+        <p:cNvPr id="1" name=""/>
+        <p:cNvGrpSpPr/>
+        <p:nvPr/>
+      </p:nvGrpSpPr>
+      <p:grpSpPr>
+        <a:xfrm>
+          <a:off x="0" y="0"/>
+          <a:ext cx="0" cy="0"/>
+          <a:chOff x="0" y="0"/>
+          <a:chExt cx="0" cy="0"/>
+        </a:xfrm>
+      </p:grpSpPr>
+      <p:sp>
+        <p:nvSpPr>
+          <p:cNvPr id="2" name="Slide Image Placeholder 1"/>
+          <p:cNvSpPr>
+            <a:spLocks noGrp="1" noRot="1" noChangeAspect="1"/>
+          </p:cNvSpPr>
+          <p:nvPr>
+            <p:ph type="sldImg"/>
+          </p:nvPr>
+        </p:nvSpPr>
+        <p:spPr/>
+      </p:sp>
+      <p:sp>
+        <p:nvSpPr>
+          <p:cNvPr id="3" name="Notes Placeholder 2"/>
+          <p:cNvSpPr>
+            <a:spLocks noGrp="1"/>
+          </p:cNvSpPr>
+          <p:nvPr>
+            <p:ph type="body" idx="1"/>
+          </p:nvPr>
+        </p:nvSpPr>
+        <p:spPr/>
+        <p:txBody>
+          <a:bodyPr/>
+          <a:lstStyle/>
+          <a:p>
+            <a:pPr marL="171450" indent="-171450">
+              <a:buFontTx/>
+              <a:buChar char="-"/>
+            </a:pPr>
+            <a:r>
+              <a:rPr lang="en-US" dirty="0"/>
+              <a:t>These are the plots for the second scenario.</a:t>
+            </a:r>
+          </a:p>
+          <a:p>
+            <a:pPr marL="171450" indent="-171450">
+              <a:buFontTx/>
+              <a:buChar char="-"/>
+            </a:pPr>
+            <a:r>
+              <a:rPr lang="en-US" dirty="0"/>
+              <a:t>The server broadcasts the last updated model to all clients.</a:t>
+            </a:r>
+            <a:endParaRPr lang="en-CA" dirty="0"/>
+          </a:p>
+        </p:txBody>
+      </p:sp>
+      <p:sp>
+        <p:nvSpPr>
+          <p:cNvPr id="4" name="Slide Number Placeholder 3"/>
+          <p:cNvSpPr>
+            <a:spLocks noGrp="1"/>
+          </p:cNvSpPr>
+          <p:nvPr>
+            <p:ph type="sldNum" sz="quarter" idx="5"/>
+          </p:nvPr>
+        </p:nvSpPr>
+        <p:spPr/>
+        <p:txBody>
+          <a:bodyPr/>
+          <a:lstStyle/>
+          <a:p>
+            <a:fld id="{BC6B0F1A-B7FA-40F8-9021-66F1DF0E942C}" type="slidenum">
+              <a:rPr lang="en-US" smtClean="0"/>
+              <a:t>10</a:t>
+            </a:fld>
+            <a:endParaRPr lang="en-US"/>
+          </a:p>
+        </p:txBody>
+      </p:sp>
+    </p:spTree>
+    <p:extLst>
+      <p:ext uri="{BB962C8B-B14F-4D97-AF65-F5344CB8AC3E}">
+        <p14:creationId xmlns:p14="http://schemas.microsoft.com/office/powerpoint/2010/main" val="3074311393"/>
+      </p:ext>
+    </p:extLst>
+  </p:cSld>
+  <p:clrMapOvr>
+    <a:masterClrMapping/>
+  </p:clrMapOvr>
+</p:notes>
+</file>
+
+<file path=ppt/notesSlides/notesSlide5.xml><?xml version="1.0" encoding="utf-8"?>
+<p:notes xmlns:a="http://schemas.openxmlformats.org/drawingml/2006/main" xmlns:r="http://schemas.openxmlformats.org/officeDocument/2006/relationships" xmlns:p="http://schemas.openxmlformats.org/presentationml/2006/main">
+  <p:cSld>
+    <p:spTree>
+      <p:nvGrpSpPr>
+        <p:cNvPr id="1" name=""/>
+        <p:cNvGrpSpPr/>
+        <p:nvPr/>
+      </p:nvGrpSpPr>
+      <p:grpSpPr>
+        <a:xfrm>
+          <a:off x="0" y="0"/>
+          <a:ext cx="0" cy="0"/>
+          <a:chOff x="0" y="0"/>
+          <a:chExt cx="0" cy="0"/>
+        </a:xfrm>
+      </p:grpSpPr>
+      <p:sp>
+        <p:nvSpPr>
+          <p:cNvPr id="2" name="Slide Image Placeholder 1"/>
+          <p:cNvSpPr>
+            <a:spLocks noGrp="1" noRot="1" noChangeAspect="1"/>
+          </p:cNvSpPr>
+          <p:nvPr>
+            <p:ph type="sldImg"/>
+          </p:nvPr>
+        </p:nvSpPr>
+        <p:spPr/>
+      </p:sp>
+      <p:sp>
+        <p:nvSpPr>
+          <p:cNvPr id="3" name="Notes Placeholder 2"/>
+          <p:cNvSpPr>
+            <a:spLocks noGrp="1"/>
+          </p:cNvSpPr>
+          <p:nvPr>
+            <p:ph type="body" idx="1"/>
+          </p:nvPr>
+        </p:nvSpPr>
+        <p:spPr/>
+        <p:txBody>
+          <a:bodyPr/>
+          <a:lstStyle/>
+          <a:p>
+            <a:r>
+              <a:rPr lang="en-US" dirty="0"/>
+              <a:t>The plaintext </a:t>
             </a:r>
             <a:r>
               <a:rPr lang="en-US" dirty="0" err="1"/>
@@ -532,7 +1036,7 @@
             </a:r>
             <a:r>
               <a:rPr lang="en-US" dirty="0"/>
-              <a:t> is 2x faster 8minutes against 16minutes</a:t>
+              <a:t> is 2x faster 8 minutes against 16 minutes (both locally).</a:t>
             </a:r>
             <a:endParaRPr lang="en-CA" dirty="0"/>
           </a:p>
@@ -703,7 +1207,7 @@
           <a:p>
             <a:fld id="{42733374-496C-4875-9090-73CFFB1DAB43}" type="datetimeFigureOut">
               <a:rPr lang="en-US" smtClean="0"/>
-              <a:t>10/25/2021</a:t>
+              <a:t>10/29/2021</a:t>
             </a:fld>
             <a:endParaRPr lang="en-US"/>
           </a:p>
@@ -871,7 +1375,7 @@
           <a:p>
             <a:fld id="{42733374-496C-4875-9090-73CFFB1DAB43}" type="datetimeFigureOut">
               <a:rPr lang="en-US" smtClean="0"/>
-              <a:t>10/25/2021</a:t>
+              <a:t>10/29/2021</a:t>
             </a:fld>
             <a:endParaRPr lang="en-US"/>
           </a:p>
@@ -1049,7 +1553,7 @@
           <a:p>
             <a:fld id="{42733374-496C-4875-9090-73CFFB1DAB43}" type="datetimeFigureOut">
               <a:rPr lang="en-US" smtClean="0"/>
-              <a:t>10/25/2021</a:t>
+              <a:t>10/29/2021</a:t>
             </a:fld>
             <a:endParaRPr lang="en-US"/>
           </a:p>
@@ -1217,7 +1721,7 @@
           <a:p>
             <a:fld id="{42733374-496C-4875-9090-73CFFB1DAB43}" type="datetimeFigureOut">
               <a:rPr lang="en-US" smtClean="0"/>
-              <a:t>10/25/2021</a:t>
+              <a:t>10/29/2021</a:t>
             </a:fld>
             <a:endParaRPr lang="en-US"/>
           </a:p>
@@ -1462,7 +1966,7 @@
           <a:p>
             <a:fld id="{42733374-496C-4875-9090-73CFFB1DAB43}" type="datetimeFigureOut">
               <a:rPr lang="en-US" smtClean="0"/>
-              <a:t>10/25/2021</a:t>
+              <a:t>10/29/2021</a:t>
             </a:fld>
             <a:endParaRPr lang="en-US"/>
           </a:p>
@@ -1691,7 +2195,7 @@
           <a:p>
             <a:fld id="{42733374-496C-4875-9090-73CFFB1DAB43}" type="datetimeFigureOut">
               <a:rPr lang="en-US" smtClean="0"/>
-              <a:t>10/25/2021</a:t>
+              <a:t>10/29/2021</a:t>
             </a:fld>
             <a:endParaRPr lang="en-US"/>
           </a:p>
@@ -2055,7 +2559,7 @@
           <a:p>
             <a:fld id="{42733374-496C-4875-9090-73CFFB1DAB43}" type="datetimeFigureOut">
               <a:rPr lang="en-US" smtClean="0"/>
-              <a:t>10/25/2021</a:t>
+              <a:t>10/29/2021</a:t>
             </a:fld>
             <a:endParaRPr lang="en-US"/>
           </a:p>
@@ -2172,7 +2676,7 @@
           <a:p>
             <a:fld id="{42733374-496C-4875-9090-73CFFB1DAB43}" type="datetimeFigureOut">
               <a:rPr lang="en-US" smtClean="0"/>
-              <a:t>10/25/2021</a:t>
+              <a:t>10/29/2021</a:t>
             </a:fld>
             <a:endParaRPr lang="en-US"/>
           </a:p>
@@ -2267,7 +2771,7 @@
           <a:p>
             <a:fld id="{42733374-496C-4875-9090-73CFFB1DAB43}" type="datetimeFigureOut">
               <a:rPr lang="en-US" smtClean="0"/>
-              <a:t>10/25/2021</a:t>
+              <a:t>10/29/2021</a:t>
             </a:fld>
             <a:endParaRPr lang="en-US"/>
           </a:p>
@@ -2542,7 +3046,7 @@
           <a:p>
             <a:fld id="{42733374-496C-4875-9090-73CFFB1DAB43}" type="datetimeFigureOut">
               <a:rPr lang="en-US" smtClean="0"/>
-              <a:t>10/25/2021</a:t>
+              <a:t>10/29/2021</a:t>
             </a:fld>
             <a:endParaRPr lang="en-US"/>
           </a:p>
@@ -2794,7 +3298,7 @@
           <a:p>
             <a:fld id="{42733374-496C-4875-9090-73CFFB1DAB43}" type="datetimeFigureOut">
               <a:rPr lang="en-US" smtClean="0"/>
-              <a:t>10/25/2021</a:t>
+              <a:t>10/29/2021</a:t>
             </a:fld>
             <a:endParaRPr lang="en-US"/>
           </a:p>
@@ -3005,7 +3509,7 @@
           <a:p>
             <a:fld id="{42733374-496C-4875-9090-73CFFB1DAB43}" type="datetimeFigureOut">
               <a:rPr lang="en-US" smtClean="0"/>
-              <a:t>10/25/2021</a:t>
+              <a:t>10/29/2021</a:t>
             </a:fld>
             <a:endParaRPr lang="en-US"/>
           </a:p>
@@ -3510,15 +4014,7 @@
           <a:p>
             <a:r>
               <a:rPr lang="en-CA" sz="3600" b="1" dirty="0"/>
-              <a:t>Federated averaged weights strategy results (</a:t>
-            </a:r>
-            <a:r>
-              <a:rPr lang="en-CA" sz="3600" b="1" dirty="0" err="1"/>
-              <a:t>FedAvg</a:t>
-            </a:r>
-            <a:r>
-              <a:rPr lang="en-CA" sz="3600" b="1" dirty="0"/>
-              <a:t>)</a:t>
+              <a:t>Federated averaged weights strategy results</a:t>
             </a:r>
             <a:endParaRPr lang="en-US" sz="3600" b="1" dirty="0"/>
           </a:p>
@@ -3539,13 +4035,13 @@
           <p:nvPr/>
         </p:nvPicPr>
         <p:blipFill>
-          <a:blip r:embed="rId2">
+          <a:blip r:embed="rId3">
             <a:extLst>
               <a:ext uri="{28A0092B-C50C-407E-A947-70E740481C1C}">
                 <a14:useLocalDpi xmlns:a14="http://schemas.microsoft.com/office/drawing/2010/main" val="0"/>
               </a:ext>
               <a:ext uri="{96DAC541-7B7A-43D3-8B79-37D633B846F1}">
-                <asvg:svgBlip xmlns:asvg="http://schemas.microsoft.com/office/drawing/2016/SVG/main" r:embed="rId3"/>
+                <asvg:svgBlip xmlns:asvg="http://schemas.microsoft.com/office/drawing/2016/SVG/main" r:embed="rId4"/>
               </a:ext>
             </a:extLst>
           </a:blip>
@@ -3563,6 +4059,78 @@
           </a:prstGeom>
         </p:spPr>
       </p:pic>
+      <p:sp>
+        <p:nvSpPr>
+          <p:cNvPr id="3" name="TextBox 2">
+            <a:extLst>
+              <a:ext uri="{FF2B5EF4-FFF2-40B4-BE49-F238E27FC236}">
+                <a16:creationId xmlns:a16="http://schemas.microsoft.com/office/drawing/2014/main" id="{AB399DCA-A205-4831-8870-DA6B2757931A}"/>
+              </a:ext>
+            </a:extLst>
+          </p:cNvPr>
+          <p:cNvSpPr txBox="1"/>
+          <p:nvPr/>
+        </p:nvSpPr>
+        <p:spPr>
+          <a:xfrm>
+            <a:off x="7262648" y="4813738"/>
+            <a:ext cx="583814" cy="369332"/>
+          </a:xfrm>
+          <a:prstGeom prst="rect">
+            <a:avLst/>
+          </a:prstGeom>
+          <a:noFill/>
+        </p:spPr>
+        <p:txBody>
+          <a:bodyPr wrap="none" rtlCol="0">
+            <a:spAutoFit/>
+          </a:bodyPr>
+          <a:lstStyle/>
+          <a:p>
+            <a:r>
+              <a:rPr lang="en-US" dirty="0"/>
+              <a:t>Loss</a:t>
+            </a:r>
+            <a:endParaRPr lang="en-CA" dirty="0"/>
+          </a:p>
+        </p:txBody>
+      </p:sp>
+      <p:sp>
+        <p:nvSpPr>
+          <p:cNvPr id="4" name="TextBox 3">
+            <a:extLst>
+              <a:ext uri="{FF2B5EF4-FFF2-40B4-BE49-F238E27FC236}">
+                <a16:creationId xmlns:a16="http://schemas.microsoft.com/office/drawing/2014/main" id="{18598129-6086-4833-8F02-DC3E51589D44}"/>
+              </a:ext>
+            </a:extLst>
+          </p:cNvPr>
+          <p:cNvSpPr txBox="1"/>
+          <p:nvPr/>
+        </p:nvSpPr>
+        <p:spPr>
+          <a:xfrm>
+            <a:off x="6823361" y="2415950"/>
+            <a:ext cx="1447256" cy="369332"/>
+          </a:xfrm>
+          <a:prstGeom prst="rect">
+            <a:avLst/>
+          </a:prstGeom>
+          <a:noFill/>
+        </p:spPr>
+        <p:txBody>
+          <a:bodyPr wrap="none" rtlCol="0">
+            <a:spAutoFit/>
+          </a:bodyPr>
+          <a:lstStyle/>
+          <a:p>
+            <a:r>
+              <a:rPr lang="en-US" dirty="0"/>
+              <a:t>Test accuracy</a:t>
+            </a:r>
+            <a:endParaRPr lang="en-CA" dirty="0"/>
+          </a:p>
+        </p:txBody>
+      </p:sp>
     </p:spTree>
     <p:extLst>
       <p:ext uri="{BB962C8B-B14F-4D97-AF65-F5344CB8AC3E}">
@@ -3615,11 +4183,7 @@
           <a:p>
             <a:r>
               <a:rPr lang="en-CA" b="1" dirty="0"/>
-              <a:t>Encrypted </a:t>
-            </a:r>
-            <a:r>
-              <a:rPr lang="en-CA" b="1" dirty="0" err="1"/>
-              <a:t>FedAvg</a:t>
+              <a:t>Encrypted Federated Learning</a:t>
             </a:r>
             <a:endParaRPr lang="en-US" b="1" dirty="0"/>
           </a:p>
@@ -3664,6 +4228,294 @@
           </a:prstGeom>
         </p:spPr>
       </p:pic>
+      <p:sp>
+        <p:nvSpPr>
+          <p:cNvPr id="3" name="TextBox 2">
+            <a:extLst>
+              <a:ext uri="{FF2B5EF4-FFF2-40B4-BE49-F238E27FC236}">
+                <a16:creationId xmlns:a16="http://schemas.microsoft.com/office/drawing/2014/main" id="{07DB05F5-CBEF-4D1E-916D-1D8930100929}"/>
+              </a:ext>
+            </a:extLst>
+          </p:cNvPr>
+          <p:cNvSpPr txBox="1"/>
+          <p:nvPr/>
+        </p:nvSpPr>
+        <p:spPr>
+          <a:xfrm>
+            <a:off x="4603531" y="2627586"/>
+            <a:ext cx="583814" cy="369332"/>
+          </a:xfrm>
+          <a:prstGeom prst="rect">
+            <a:avLst/>
+          </a:prstGeom>
+          <a:noFill/>
+        </p:spPr>
+        <p:txBody>
+          <a:bodyPr wrap="none" rtlCol="0">
+            <a:spAutoFit/>
+          </a:bodyPr>
+          <a:lstStyle/>
+          <a:p>
+            <a:r>
+              <a:rPr lang="en-US" dirty="0"/>
+              <a:t>Loss</a:t>
+            </a:r>
+            <a:endParaRPr lang="en-CA" dirty="0"/>
+          </a:p>
+        </p:txBody>
+      </p:sp>
+      <p:sp>
+        <p:nvSpPr>
+          <p:cNvPr id="4" name="TextBox 3">
+            <a:extLst>
+              <a:ext uri="{FF2B5EF4-FFF2-40B4-BE49-F238E27FC236}">
+                <a16:creationId xmlns:a16="http://schemas.microsoft.com/office/drawing/2014/main" id="{641B38E9-717F-4245-85A2-7DB893A920FC}"/>
+              </a:ext>
+            </a:extLst>
+          </p:cNvPr>
+          <p:cNvSpPr txBox="1"/>
+          <p:nvPr/>
+        </p:nvSpPr>
+        <p:spPr>
+          <a:xfrm>
+            <a:off x="4088524" y="1541538"/>
+            <a:ext cx="1424814" cy="369332"/>
+          </a:xfrm>
+          <a:prstGeom prst="rect">
+            <a:avLst/>
+          </a:prstGeom>
+          <a:noFill/>
+        </p:spPr>
+        <p:txBody>
+          <a:bodyPr wrap="none" rtlCol="0">
+            <a:spAutoFit/>
+          </a:bodyPr>
+          <a:lstStyle/>
+          <a:p>
+            <a:r>
+              <a:rPr lang="en-US" dirty="0"/>
+              <a:t>Test accuracy</a:t>
+            </a:r>
+            <a:endParaRPr lang="en-CA" dirty="0"/>
+          </a:p>
+        </p:txBody>
+      </p:sp>
+      <p:sp>
+        <p:nvSpPr>
+          <p:cNvPr id="6" name="TextBox 5">
+            <a:extLst>
+              <a:ext uri="{FF2B5EF4-FFF2-40B4-BE49-F238E27FC236}">
+                <a16:creationId xmlns:a16="http://schemas.microsoft.com/office/drawing/2014/main" id="{CE154B17-A81E-404B-ADAC-04279729409A}"/>
+              </a:ext>
+            </a:extLst>
+          </p:cNvPr>
+          <p:cNvSpPr txBox="1"/>
+          <p:nvPr/>
+        </p:nvSpPr>
+        <p:spPr>
+          <a:xfrm>
+            <a:off x="8655269" y="2627586"/>
+            <a:ext cx="583814" cy="369332"/>
+          </a:xfrm>
+          <a:prstGeom prst="rect">
+            <a:avLst/>
+          </a:prstGeom>
+          <a:noFill/>
+        </p:spPr>
+        <p:txBody>
+          <a:bodyPr wrap="none" rtlCol="0">
+            <a:spAutoFit/>
+          </a:bodyPr>
+          <a:lstStyle/>
+          <a:p>
+            <a:r>
+              <a:rPr lang="en-US" dirty="0"/>
+              <a:t>Loss</a:t>
+            </a:r>
+            <a:endParaRPr lang="en-CA" dirty="0"/>
+          </a:p>
+        </p:txBody>
+      </p:sp>
+      <p:sp>
+        <p:nvSpPr>
+          <p:cNvPr id="7" name="TextBox 6">
+            <a:extLst>
+              <a:ext uri="{FF2B5EF4-FFF2-40B4-BE49-F238E27FC236}">
+                <a16:creationId xmlns:a16="http://schemas.microsoft.com/office/drawing/2014/main" id="{2009241E-7944-4609-9E87-1A17C7B0AF46}"/>
+              </a:ext>
+            </a:extLst>
+          </p:cNvPr>
+          <p:cNvSpPr txBox="1"/>
+          <p:nvPr/>
+        </p:nvSpPr>
+        <p:spPr>
+          <a:xfrm>
+            <a:off x="8140262" y="1541538"/>
+            <a:ext cx="1424814" cy="369332"/>
+          </a:xfrm>
+          <a:prstGeom prst="rect">
+            <a:avLst/>
+          </a:prstGeom>
+          <a:noFill/>
+        </p:spPr>
+        <p:txBody>
+          <a:bodyPr wrap="none" rtlCol="0">
+            <a:spAutoFit/>
+          </a:bodyPr>
+          <a:lstStyle/>
+          <a:p>
+            <a:r>
+              <a:rPr lang="en-US" dirty="0"/>
+              <a:t>Test accuracy</a:t>
+            </a:r>
+            <a:endParaRPr lang="en-CA" dirty="0"/>
+          </a:p>
+        </p:txBody>
+      </p:sp>
+      <p:sp>
+        <p:nvSpPr>
+          <p:cNvPr id="8" name="TextBox 7">
+            <a:extLst>
+              <a:ext uri="{FF2B5EF4-FFF2-40B4-BE49-F238E27FC236}">
+                <a16:creationId xmlns:a16="http://schemas.microsoft.com/office/drawing/2014/main" id="{9036F54F-4434-4894-B614-72EBC0821301}"/>
+              </a:ext>
+            </a:extLst>
+          </p:cNvPr>
+          <p:cNvSpPr txBox="1"/>
+          <p:nvPr/>
+        </p:nvSpPr>
+        <p:spPr>
+          <a:xfrm>
+            <a:off x="4766442" y="5460124"/>
+            <a:ext cx="583814" cy="369332"/>
+          </a:xfrm>
+          <a:prstGeom prst="rect">
+            <a:avLst/>
+          </a:prstGeom>
+          <a:noFill/>
+        </p:spPr>
+        <p:txBody>
+          <a:bodyPr wrap="none" rtlCol="0">
+            <a:spAutoFit/>
+          </a:bodyPr>
+          <a:lstStyle/>
+          <a:p>
+            <a:r>
+              <a:rPr lang="en-US" dirty="0"/>
+              <a:t>Loss</a:t>
+            </a:r>
+            <a:endParaRPr lang="en-CA" dirty="0"/>
+          </a:p>
+        </p:txBody>
+      </p:sp>
+      <p:sp>
+        <p:nvSpPr>
+          <p:cNvPr id="9" name="TextBox 8">
+            <a:extLst>
+              <a:ext uri="{FF2B5EF4-FFF2-40B4-BE49-F238E27FC236}">
+                <a16:creationId xmlns:a16="http://schemas.microsoft.com/office/drawing/2014/main" id="{3F006E81-2A31-46F8-92A2-9260F4A16D6C}"/>
+              </a:ext>
+            </a:extLst>
+          </p:cNvPr>
+          <p:cNvSpPr txBox="1"/>
+          <p:nvPr/>
+        </p:nvSpPr>
+        <p:spPr>
+          <a:xfrm>
+            <a:off x="4251435" y="4374076"/>
+            <a:ext cx="1424814" cy="369332"/>
+          </a:xfrm>
+          <a:prstGeom prst="rect">
+            <a:avLst/>
+          </a:prstGeom>
+          <a:noFill/>
+        </p:spPr>
+        <p:txBody>
+          <a:bodyPr wrap="none" rtlCol="0">
+            <a:spAutoFit/>
+          </a:bodyPr>
+          <a:lstStyle/>
+          <a:p>
+            <a:r>
+              <a:rPr lang="en-US" dirty="0"/>
+              <a:t>Test accuracy</a:t>
+            </a:r>
+            <a:endParaRPr lang="en-CA" dirty="0"/>
+          </a:p>
+        </p:txBody>
+      </p:sp>
+      <p:sp>
+        <p:nvSpPr>
+          <p:cNvPr id="10" name="TextBox 9">
+            <a:extLst>
+              <a:ext uri="{FF2B5EF4-FFF2-40B4-BE49-F238E27FC236}">
+                <a16:creationId xmlns:a16="http://schemas.microsoft.com/office/drawing/2014/main" id="{6CB12F0A-36C7-4B46-A666-55AF48ECD77A}"/>
+              </a:ext>
+            </a:extLst>
+          </p:cNvPr>
+          <p:cNvSpPr txBox="1"/>
+          <p:nvPr/>
+        </p:nvSpPr>
+        <p:spPr>
+          <a:xfrm>
+            <a:off x="8655269" y="5460124"/>
+            <a:ext cx="583814" cy="369332"/>
+          </a:xfrm>
+          <a:prstGeom prst="rect">
+            <a:avLst/>
+          </a:prstGeom>
+          <a:noFill/>
+        </p:spPr>
+        <p:txBody>
+          <a:bodyPr wrap="none" rtlCol="0">
+            <a:spAutoFit/>
+          </a:bodyPr>
+          <a:lstStyle/>
+          <a:p>
+            <a:r>
+              <a:rPr lang="en-US" dirty="0"/>
+              <a:t>Loss</a:t>
+            </a:r>
+            <a:endParaRPr lang="en-CA" dirty="0"/>
+          </a:p>
+        </p:txBody>
+      </p:sp>
+      <p:sp>
+        <p:nvSpPr>
+          <p:cNvPr id="11" name="TextBox 10">
+            <a:extLst>
+              <a:ext uri="{FF2B5EF4-FFF2-40B4-BE49-F238E27FC236}">
+                <a16:creationId xmlns:a16="http://schemas.microsoft.com/office/drawing/2014/main" id="{EB860453-99BD-4DB0-947F-3A2B6AC19E77}"/>
+              </a:ext>
+            </a:extLst>
+          </p:cNvPr>
+          <p:cNvSpPr txBox="1"/>
+          <p:nvPr/>
+        </p:nvSpPr>
+        <p:spPr>
+          <a:xfrm>
+            <a:off x="8140262" y="4374076"/>
+            <a:ext cx="1424814" cy="369332"/>
+          </a:xfrm>
+          <a:prstGeom prst="rect">
+            <a:avLst/>
+          </a:prstGeom>
+          <a:noFill/>
+        </p:spPr>
+        <p:txBody>
+          <a:bodyPr wrap="none" rtlCol="0">
+            <a:spAutoFit/>
+          </a:bodyPr>
+          <a:lstStyle/>
+          <a:p>
+            <a:r>
+              <a:rPr lang="en-US" dirty="0"/>
+              <a:t>Test accuracy</a:t>
+            </a:r>
+            <a:endParaRPr lang="en-CA" dirty="0"/>
+          </a:p>
+        </p:txBody>
+      </p:sp>
     </p:spTree>
     <p:extLst>
       <p:ext uri="{BB962C8B-B14F-4D97-AF65-F5344CB8AC3E}">
@@ -3804,99 +4656,6 @@
           <a:p>
             <a:r>
               <a:rPr lang="en-CA" b="1" dirty="0"/>
-              <a:t>Conclusions and Results</a:t>
-            </a:r>
-            <a:endParaRPr lang="en-US" b="1" dirty="0"/>
-          </a:p>
-        </p:txBody>
-      </p:sp>
-      <p:sp>
-        <p:nvSpPr>
-          <p:cNvPr id="3" name="Content Placeholder 2"/>
-          <p:cNvSpPr>
-            <a:spLocks noGrp="1"/>
-          </p:cNvSpPr>
-          <p:nvPr>
-            <p:ph idx="1"/>
-          </p:nvPr>
-        </p:nvSpPr>
-        <p:spPr/>
-        <p:txBody>
-          <a:bodyPr/>
-          <a:lstStyle/>
-          <a:p>
-            <a:r>
-              <a:rPr lang="en-CA" dirty="0"/>
-              <a:t>This experiment had a simplified scope and was performed in simulation environment. </a:t>
-            </a:r>
-          </a:p>
-          <a:p>
-            <a:r>
-              <a:rPr lang="en-CA" dirty="0"/>
-              <a:t>We have built a community of NSOs in the area of privacy enhancing technologies with link to open source community, industry and academia.</a:t>
-            </a:r>
-          </a:p>
-          <a:p>
-            <a:r>
-              <a:rPr lang="en-CA" dirty="0"/>
-              <a:t>There is a direct link to sustainability, when it comes to collaboration among NSOs, namely new ways of collaboration, driven by privacy requirements and technological constraints.</a:t>
-            </a:r>
-          </a:p>
-          <a:p>
-            <a:endParaRPr lang="en-CA" dirty="0"/>
-          </a:p>
-          <a:p>
-            <a:endParaRPr lang="en-US" dirty="0"/>
-          </a:p>
-        </p:txBody>
-      </p:sp>
-    </p:spTree>
-    <p:extLst>
-      <p:ext uri="{BB962C8B-B14F-4D97-AF65-F5344CB8AC3E}">
-        <p14:creationId xmlns:p14="http://schemas.microsoft.com/office/powerpoint/2010/main" val="3735390214"/>
-      </p:ext>
-    </p:extLst>
-  </p:cSld>
-  <p:clrMapOvr>
-    <a:masterClrMapping/>
-  </p:clrMapOvr>
-</p:sld>
-</file>
-
-<file path=ppt/slides/slide14.xml><?xml version="1.0" encoding="utf-8"?>
-<p:sld xmlns:a="http://schemas.openxmlformats.org/drawingml/2006/main" xmlns:r="http://schemas.openxmlformats.org/officeDocument/2006/relationships" xmlns:p="http://schemas.openxmlformats.org/presentationml/2006/main">
-  <p:cSld>
-    <p:spTree>
-      <p:nvGrpSpPr>
-        <p:cNvPr id="1" name=""/>
-        <p:cNvGrpSpPr/>
-        <p:nvPr/>
-      </p:nvGrpSpPr>
-      <p:grpSpPr>
-        <a:xfrm>
-          <a:off x="0" y="0"/>
-          <a:ext cx="0" cy="0"/>
-          <a:chOff x="0" y="0"/>
-          <a:chExt cx="0" cy="0"/>
-        </a:xfrm>
-      </p:grpSpPr>
-      <p:sp>
-        <p:nvSpPr>
-          <p:cNvPr id="2" name="Title 1"/>
-          <p:cNvSpPr>
-            <a:spLocks noGrp="1"/>
-          </p:cNvSpPr>
-          <p:nvPr>
-            <p:ph type="title"/>
-          </p:nvPr>
-        </p:nvSpPr>
-        <p:spPr/>
-        <p:txBody>
-          <a:bodyPr/>
-          <a:lstStyle/>
-          <a:p>
-            <a:r>
-              <a:rPr lang="en-CA" b="1" dirty="0"/>
               <a:t>Challenges and Lessons Learned</a:t>
             </a:r>
             <a:endParaRPr lang="en-US" b="1" dirty="0"/>
@@ -3926,27 +4685,19 @@
           <a:p>
             <a:r>
               <a:rPr lang="en-CA" dirty="0"/>
-              <a:t>Inconsistent data formats across multiple NSOs.</a:t>
+              <a:t>In reality, inconsistent data formats across multiple NSOs.</a:t>
             </a:r>
           </a:p>
           <a:p>
             <a:r>
               <a:rPr lang="en-CA" dirty="0"/>
-              <a:t>Non-</a:t>
-            </a:r>
-            <a:r>
-              <a:rPr lang="en-CA" dirty="0" err="1"/>
-              <a:t>i.i.d</a:t>
-            </a:r>
+              <a:t>Unbalanced and outlier data points and lack of sufficient and good-quality data. Different aggregation strategy can be tested and used to mitigate this.</a:t>
+            </a:r>
+          </a:p>
+          <a:p>
             <a:r>
               <a:rPr lang="en-CA" dirty="0"/>
-              <a:t>. data points and lack of sufficient and good-quality data. Different aggregation strategy can be used to mitigate this.</a:t>
-            </a:r>
-          </a:p>
-          <a:p>
-            <a:r>
-              <a:rPr lang="en-CA" dirty="0"/>
-              <a:t>Multi-language support in distributed ML for deployment. </a:t>
+              <a:t>Pre-processing steps to take into account different international labelling and standards in distributed ML for deployment.</a:t>
             </a:r>
           </a:p>
           <a:p>
@@ -3970,7 +4721,7 @@
 </p:sld>
 </file>
 
-<file path=ppt/slides/slide15.xml><?xml version="1.0" encoding="utf-8"?>
+<file path=ppt/slides/slide14.xml><?xml version="1.0" encoding="utf-8"?>
 <p:sld xmlns:a="http://schemas.openxmlformats.org/drawingml/2006/main" xmlns:r="http://schemas.openxmlformats.org/officeDocument/2006/relationships" xmlns:p="http://schemas.openxmlformats.org/presentationml/2006/main">
   <p:cSld>
     <p:spTree>
@@ -4459,7 +5210,7 @@
           <a:p>
             <a:r>
               <a:rPr lang="en-CA" sz="2300" dirty="0"/>
-              <a:t>After each round of the training, the parties send their weights to a central authority </a:t>
+              <a:t>After each round of the training, the parties send their weights (or parameters) to a central authority. </a:t>
             </a:r>
           </a:p>
           <a:p>
@@ -4577,10 +5328,10 @@
       </p:sp>
       <p:pic>
         <p:nvPicPr>
-          <p:cNvPr id="6" name="Graphic 5">
+          <p:cNvPr id="152" name="Graphic 151">
             <a:extLst>
               <a:ext uri="{FF2B5EF4-FFF2-40B4-BE49-F238E27FC236}">
-                <a16:creationId xmlns:a16="http://schemas.microsoft.com/office/drawing/2014/main" id="{D69E039F-304C-41CB-B7C1-C5629835830B}"/>
+                <a16:creationId xmlns:a16="http://schemas.microsoft.com/office/drawing/2014/main" id="{2FDEF45D-AAED-4472-A1D5-658AB0C8868A}"/>
               </a:ext>
             </a:extLst>
           </p:cNvPr>
@@ -4590,13 +5341,13 @@
           <p:nvPr/>
         </p:nvPicPr>
         <p:blipFill>
-          <a:blip r:embed="rId2" cstate="print">
+          <a:blip r:embed="rId3" cstate="print">
             <a:extLst>
               <a:ext uri="{28A0092B-C50C-407E-A947-70E740481C1C}">
                 <a14:useLocalDpi xmlns:a14="http://schemas.microsoft.com/office/drawing/2010/main" val="0"/>
               </a:ext>
               <a:ext uri="{96DAC541-7B7A-43D3-8B79-37D633B846F1}">
-                <asvg:svgBlip xmlns:asvg="http://schemas.microsoft.com/office/drawing/2016/SVG/main" r:embed="rId3"/>
+                <asvg:svgBlip xmlns:asvg="http://schemas.microsoft.com/office/drawing/2016/SVG/main" r:embed="rId4"/>
               </a:ext>
             </a:extLst>
           </a:blip>
@@ -4606,7 +5357,7 @@
         </p:blipFill>
         <p:spPr>
           <a:xfrm>
-            <a:off x="450000" y="1531616"/>
+            <a:off x="450000" y="1530000"/>
             <a:ext cx="11308324" cy="5040000"/>
           </a:xfrm>
           <a:prstGeom prst="rect">
@@ -4674,10 +5425,10 @@
       </p:sp>
       <p:pic>
         <p:nvPicPr>
-          <p:cNvPr id="9" name="Graphic 8">
+          <p:cNvPr id="11" name="Graphic 10">
             <a:extLst>
               <a:ext uri="{FF2B5EF4-FFF2-40B4-BE49-F238E27FC236}">
-                <a16:creationId xmlns:a16="http://schemas.microsoft.com/office/drawing/2014/main" id="{41B85F64-8ECF-4B7D-AC00-88D1AE010853}"/>
+                <a16:creationId xmlns:a16="http://schemas.microsoft.com/office/drawing/2014/main" id="{FAFD89C3-E877-4E0E-B364-9CEB49736A35}"/>
               </a:ext>
             </a:extLst>
           </p:cNvPr>
@@ -4687,13 +5438,13 @@
           <p:nvPr/>
         </p:nvPicPr>
         <p:blipFill>
-          <a:blip r:embed="rId2" cstate="print">
+          <a:blip r:embed="rId3" cstate="print">
             <a:extLst>
               <a:ext uri="{28A0092B-C50C-407E-A947-70E740481C1C}">
                 <a14:useLocalDpi xmlns:a14="http://schemas.microsoft.com/office/drawing/2010/main" val="0"/>
               </a:ext>
               <a:ext uri="{96DAC541-7B7A-43D3-8B79-37D633B846F1}">
-                <asvg:svgBlip xmlns:asvg="http://schemas.microsoft.com/office/drawing/2016/SVG/main" r:embed="rId3"/>
+                <asvg:svgBlip xmlns:asvg="http://schemas.microsoft.com/office/drawing/2016/SVG/main" r:embed="rId4"/>
               </a:ext>
             </a:extLst>
           </a:blip>
@@ -4771,10 +5522,10 @@
       </p:sp>
       <p:pic>
         <p:nvPicPr>
-          <p:cNvPr id="4" name="Graphic 3">
+          <p:cNvPr id="5" name="Graphic 4">
             <a:extLst>
               <a:ext uri="{FF2B5EF4-FFF2-40B4-BE49-F238E27FC236}">
-                <a16:creationId xmlns:a16="http://schemas.microsoft.com/office/drawing/2014/main" id="{F2C8C832-2B68-4E3B-85D2-DDBBC95A3EDB}"/>
+                <a16:creationId xmlns:a16="http://schemas.microsoft.com/office/drawing/2014/main" id="{9476B0CF-1049-4C8C-BAAC-E095F46C1694}"/>
               </a:ext>
             </a:extLst>
           </p:cNvPr>
@@ -4784,13 +5535,13 @@
           <p:nvPr/>
         </p:nvPicPr>
         <p:blipFill>
-          <a:blip r:embed="rId2" cstate="print">
+          <a:blip r:embed="rId3" cstate="print">
             <a:extLst>
               <a:ext uri="{28A0092B-C50C-407E-A947-70E740481C1C}">
                 <a14:useLocalDpi xmlns:a14="http://schemas.microsoft.com/office/drawing/2010/main" val="0"/>
               </a:ext>
               <a:ext uri="{96DAC541-7B7A-43D3-8B79-37D633B846F1}">
-                <asvg:svgBlip xmlns:asvg="http://schemas.microsoft.com/office/drawing/2016/SVG/main" r:embed="rId3"/>
+                <asvg:svgBlip xmlns:asvg="http://schemas.microsoft.com/office/drawing/2016/SVG/main" r:embed="rId4"/>
               </a:ext>
             </a:extLst>
           </a:blip>
@@ -4898,7 +5649,7 @@
             </a:r>
             <a:r>
               <a:rPr lang="en-CA" dirty="0"/>
-              <a:t>he data was split into four subsets, one for each NSO (i.e. STATCAN, ONS, ISTAT and CBS), in the experiments.</a:t>
+              <a:t>he data was split into four subsets, one for each NSO (i.e. STATCAN, ONS, ISTAT and CBS), in the experiments. </a:t>
             </a:r>
           </a:p>
           <a:p>
